--- a/doc/Pitch/Vivere.pptx
+++ b/doc/Pitch/Vivere.pptx
@@ -5,7 +5,7 @@
     <p:sldMasterId id="2147483648" r:id="rId1"/>
   </p:sldMasterIdLst>
   <p:notesMasterIdLst>
-    <p:notesMasterId r:id="rId23"/>
+    <p:notesMasterId r:id="rId27"/>
   </p:notesMasterIdLst>
   <p:sldIdLst>
     <p:sldId id="256" r:id="rId2"/>
@@ -26,9 +26,13 @@
     <p:sldId id="274" r:id="rId17"/>
     <p:sldId id="278" r:id="rId18"/>
     <p:sldId id="273" r:id="rId19"/>
-    <p:sldId id="279" r:id="rId20"/>
-    <p:sldId id="281" r:id="rId21"/>
-    <p:sldId id="282" r:id="rId22"/>
+    <p:sldId id="283" r:id="rId20"/>
+    <p:sldId id="288" r:id="rId21"/>
+    <p:sldId id="285" r:id="rId22"/>
+    <p:sldId id="284" r:id="rId23"/>
+    <p:sldId id="279" r:id="rId24"/>
+    <p:sldId id="281" r:id="rId25"/>
+    <p:sldId id="282" r:id="rId26"/>
   </p:sldIdLst>
   <p:sldSz cx="12192000" cy="6858000"/>
   <p:notesSz cx="6858000" cy="9144000"/>
@@ -3612,7 +3616,7 @@
           <a:p>
             <a:fld id="{DAA0CFB2-9F9E-49BE-972D-8E61A845A96D}" type="datetimeFigureOut">
               <a:rPr lang="en-US" smtClean="0"/>
-              <a:t>10/25/2016</a:t>
+              <a:t>12/2/2016</a:t>
             </a:fld>
             <a:endParaRPr lang="en-US"/>
           </a:p>
@@ -4061,7 +4065,7 @@
           <a:p>
             <a:fld id="{560C177C-8B2F-4DB4-92ED-2102CE496B91}" type="datetimeFigureOut">
               <a:rPr lang="en-GB" smtClean="0"/>
-              <a:t>25/10/2016</a:t>
+              <a:t>02/12/2016</a:t>
             </a:fld>
             <a:endParaRPr lang="en-GB"/>
           </a:p>
@@ -4231,7 +4235,7 @@
           <a:p>
             <a:fld id="{560C177C-8B2F-4DB4-92ED-2102CE496B91}" type="datetimeFigureOut">
               <a:rPr lang="en-GB" smtClean="0"/>
-              <a:t>25/10/2016</a:t>
+              <a:t>02/12/2016</a:t>
             </a:fld>
             <a:endParaRPr lang="en-GB"/>
           </a:p>
@@ -4411,7 +4415,7 @@
           <a:p>
             <a:fld id="{560C177C-8B2F-4DB4-92ED-2102CE496B91}" type="datetimeFigureOut">
               <a:rPr lang="en-GB" smtClean="0"/>
-              <a:t>25/10/2016</a:t>
+              <a:t>02/12/2016</a:t>
             </a:fld>
             <a:endParaRPr lang="en-GB"/>
           </a:p>
@@ -4581,7 +4585,7 @@
           <a:p>
             <a:fld id="{560C177C-8B2F-4DB4-92ED-2102CE496B91}" type="datetimeFigureOut">
               <a:rPr lang="en-GB" smtClean="0"/>
-              <a:t>25/10/2016</a:t>
+              <a:t>02/12/2016</a:t>
             </a:fld>
             <a:endParaRPr lang="en-GB"/>
           </a:p>
@@ -4827,7 +4831,7 @@
           <a:p>
             <a:fld id="{560C177C-8B2F-4DB4-92ED-2102CE496B91}" type="datetimeFigureOut">
               <a:rPr lang="en-GB" smtClean="0"/>
-              <a:t>25/10/2016</a:t>
+              <a:t>02/12/2016</a:t>
             </a:fld>
             <a:endParaRPr lang="en-GB"/>
           </a:p>
@@ -5115,7 +5119,7 @@
           <a:p>
             <a:fld id="{560C177C-8B2F-4DB4-92ED-2102CE496B91}" type="datetimeFigureOut">
               <a:rPr lang="en-GB" smtClean="0"/>
-              <a:t>25/10/2016</a:t>
+              <a:t>02/12/2016</a:t>
             </a:fld>
             <a:endParaRPr lang="en-GB"/>
           </a:p>
@@ -5537,7 +5541,7 @@
           <a:p>
             <a:fld id="{560C177C-8B2F-4DB4-92ED-2102CE496B91}" type="datetimeFigureOut">
               <a:rPr lang="en-GB" smtClean="0"/>
-              <a:t>25/10/2016</a:t>
+              <a:t>02/12/2016</a:t>
             </a:fld>
             <a:endParaRPr lang="en-GB"/>
           </a:p>
@@ -5655,7 +5659,7 @@
           <a:p>
             <a:fld id="{560C177C-8B2F-4DB4-92ED-2102CE496B91}" type="datetimeFigureOut">
               <a:rPr lang="en-GB" smtClean="0"/>
-              <a:t>25/10/2016</a:t>
+              <a:t>02/12/2016</a:t>
             </a:fld>
             <a:endParaRPr lang="en-GB"/>
           </a:p>
@@ -5750,7 +5754,7 @@
           <a:p>
             <a:fld id="{560C177C-8B2F-4DB4-92ED-2102CE496B91}" type="datetimeFigureOut">
               <a:rPr lang="en-GB" smtClean="0"/>
-              <a:t>25/10/2016</a:t>
+              <a:t>02/12/2016</a:t>
             </a:fld>
             <a:endParaRPr lang="en-GB"/>
           </a:p>
@@ -6027,7 +6031,7 @@
           <a:p>
             <a:fld id="{560C177C-8B2F-4DB4-92ED-2102CE496B91}" type="datetimeFigureOut">
               <a:rPr lang="en-GB" smtClean="0"/>
-              <a:t>25/10/2016</a:t>
+              <a:t>02/12/2016</a:t>
             </a:fld>
             <a:endParaRPr lang="en-GB"/>
           </a:p>
@@ -6280,7 +6284,7 @@
           <a:p>
             <a:fld id="{560C177C-8B2F-4DB4-92ED-2102CE496B91}" type="datetimeFigureOut">
               <a:rPr lang="en-GB" smtClean="0"/>
-              <a:t>25/10/2016</a:t>
+              <a:t>02/12/2016</a:t>
             </a:fld>
             <a:endParaRPr lang="en-GB"/>
           </a:p>
@@ -6493,7 +6497,7 @@
           <a:p>
             <a:fld id="{560C177C-8B2F-4DB4-92ED-2102CE496B91}" type="datetimeFigureOut">
               <a:rPr lang="en-GB" smtClean="0"/>
-              <a:t>25/10/2016</a:t>
+              <a:t>02/12/2016</a:t>
             </a:fld>
             <a:endParaRPr lang="en-GB"/>
           </a:p>
@@ -8547,14 +8551,9 @@
   <p:cSld>
     <p:bg>
       <p:bgPr>
-        <a:pattFill prst="pct5">
-          <a:fgClr>
-            <a:srgbClr val="97CE68"/>
-          </a:fgClr>
-          <a:bgClr>
-            <a:srgbClr val="E3F5BE"/>
-          </a:bgClr>
-        </a:pattFill>
+        <a:solidFill>
+          <a:srgbClr val="E3F5BE"/>
+        </a:solidFill>
         <a:effectLst/>
       </p:bgPr>
     </p:bg>
@@ -8574,33 +8573,7 @@
       </p:grpSpPr>
       <p:sp>
         <p:nvSpPr>
-          <p:cNvPr id="2" name="Title 1"/>
-          <p:cNvSpPr>
-            <a:spLocks noGrp="1"/>
-          </p:cNvSpPr>
-          <p:nvPr>
-            <p:ph type="title"/>
-          </p:nvPr>
-        </p:nvSpPr>
-        <p:spPr>
-          <a:noFill/>
-        </p:spPr>
-        <p:txBody>
-          <a:bodyPr>
-            <a:normAutofit/>
-          </a:bodyPr>
-          <a:lstStyle/>
-          <a:p>
-            <a:r>
-              <a:rPr lang="en-US" dirty="0"/>
-              <a:t>Not convinced yet?</a:t>
-            </a:r>
-          </a:p>
-        </p:txBody>
-      </p:sp>
-      <p:sp>
-        <p:nvSpPr>
-          <p:cNvPr id="3" name="Content Placeholder 2"/>
+          <p:cNvPr id="5" name="Content Placeholder 2"/>
           <p:cNvSpPr>
             <a:spLocks noGrp="1"/>
           </p:cNvSpPr>
@@ -8608,43 +8581,21 @@
             <p:ph idx="1"/>
           </p:nvPr>
         </p:nvSpPr>
-        <p:spPr/>
+        <p:spPr>
+          <a:xfrm>
+            <a:off x="623392" y="1196752"/>
+            <a:ext cx="10972800" cy="4525963"/>
+          </a:xfrm>
+        </p:spPr>
         <p:txBody>
-          <a:bodyPr>
-            <a:normAutofit lnSpcReduction="10000"/>
+          <a:bodyPr anchor="ctr">
+            <a:normAutofit/>
           </a:bodyPr>
           <a:lstStyle/>
           <a:p>
             <a:pPr marL="0" indent="0" algn="ctr">
               <a:buNone/>
             </a:pPr>
-            <a:r>
-              <a:rPr lang="en-US" b="1" dirty="0" err="1">
-                <a:solidFill>
-                  <a:srgbClr val="97CE68"/>
-                </a:solidFill>
-                <a:latin typeface="+mj-lt"/>
-              </a:rPr>
-              <a:t>Vivere</a:t>
-            </a:r>
-            <a:r>
-              <a:rPr lang="en-US" dirty="0">
-                <a:solidFill>
-                  <a:srgbClr val="111111"/>
-                </a:solidFill>
-                <a:latin typeface="+mj-lt"/>
-              </a:rPr>
-              <a:t> knows what </a:t>
-            </a:r>
-            <a:r>
-              <a:rPr lang="en-US" dirty="0">
-                <a:solidFill>
-                  <a:srgbClr val="1DABB8"/>
-                </a:solidFill>
-                <a:latin typeface="+mj-lt"/>
-              </a:rPr>
-              <a:t>experts should advice </a:t>
-            </a:r>
             <a:r>
               <a:rPr lang="en-US" dirty="0" smtClean="0">
                 <a:solidFill>
@@ -8652,16 +8603,16 @@
                 </a:solidFill>
                 <a:latin typeface="+mj-lt"/>
               </a:rPr>
-              <a:t>you, </a:t>
-            </a:r>
-            <a:r>
-              <a:rPr lang="en-US" dirty="0">
+              <a:t>Did you know that it only takes 66 days on average to </a:t>
+            </a:r>
+            <a:r>
+              <a:rPr lang="en-US" b="1" dirty="0" smtClean="0">
                 <a:solidFill>
                   <a:srgbClr val="111111"/>
                 </a:solidFill>
                 <a:latin typeface="+mj-lt"/>
               </a:rPr>
-              <a:t>right on time</a:t>
+              <a:t>break</a:t>
             </a:r>
             <a:r>
               <a:rPr lang="en-US" dirty="0" smtClean="0">
@@ -8670,13 +8621,62 @@
                 </a:solidFill>
                 <a:latin typeface="+mj-lt"/>
               </a:rPr>
-              <a:t>.</a:t>
-            </a:r>
-          </a:p>
-          <a:p>
-            <a:pPr marL="0" indent="0" algn="ctr">
-              <a:buNone/>
-            </a:pPr>
+              <a:t> or </a:t>
+            </a:r>
+            <a:r>
+              <a:rPr lang="en-US" b="1" dirty="0" smtClean="0">
+                <a:solidFill>
+                  <a:srgbClr val="111111"/>
+                </a:solidFill>
+                <a:latin typeface="+mj-lt"/>
+              </a:rPr>
+              <a:t>gain</a:t>
+            </a:r>
+            <a:r>
+              <a:rPr lang="en-US" dirty="0" smtClean="0">
+                <a:solidFill>
+                  <a:srgbClr val="111111"/>
+                </a:solidFill>
+                <a:latin typeface="+mj-lt"/>
+              </a:rPr>
+              <a:t> a </a:t>
+            </a:r>
+            <a:r>
+              <a:rPr lang="en-US" dirty="0" smtClean="0">
+                <a:solidFill>
+                  <a:srgbClr val="FF0000"/>
+                </a:solidFill>
+                <a:latin typeface="+mj-lt"/>
+              </a:rPr>
+              <a:t>bad</a:t>
+            </a:r>
+            <a:r>
+              <a:rPr lang="en-US" dirty="0" smtClean="0">
+                <a:solidFill>
+                  <a:srgbClr val="111111"/>
+                </a:solidFill>
+                <a:latin typeface="+mj-lt"/>
+              </a:rPr>
+              <a:t> or </a:t>
+            </a:r>
+            <a:r>
+              <a:rPr lang="en-US" dirty="0" smtClean="0">
+                <a:solidFill>
+                  <a:srgbClr val="00B050"/>
+                </a:solidFill>
+                <a:latin typeface="+mj-lt"/>
+              </a:rPr>
+              <a:t>good</a:t>
+            </a:r>
+            <a:r>
+              <a:rPr lang="en-US" dirty="0" smtClean="0">
+                <a:solidFill>
+                  <a:srgbClr val="111111"/>
+                </a:solidFill>
+                <a:latin typeface="+mj-lt"/>
+              </a:rPr>
+              <a:t> habit?</a:t>
+            </a:r>
             <a:endParaRPr lang="en-US" dirty="0">
               <a:solidFill>
                 <a:srgbClr val="111111"/>
@@ -8684,96 +8684,12 @@
               <a:latin typeface="+mj-lt"/>
             </a:endParaRPr>
           </a:p>
-          <a:p>
-            <a:pPr marL="0" indent="0" algn="ctr">
-              <a:buNone/>
-            </a:pPr>
-            <a:r>
-              <a:rPr lang="en-US" dirty="0">
-                <a:solidFill>
-                  <a:srgbClr val="111111"/>
-                </a:solidFill>
-                <a:latin typeface="+mj-lt"/>
-              </a:rPr>
-              <a:t>It will </a:t>
-            </a:r>
-            <a:r>
-              <a:rPr lang="en-US" dirty="0">
-                <a:solidFill>
-                  <a:srgbClr val="1DABB8"/>
-                </a:solidFill>
-                <a:latin typeface="+mj-lt"/>
-              </a:rPr>
-              <a:t>motivate you </a:t>
-            </a:r>
-            <a:r>
-              <a:rPr lang="en-US" dirty="0">
-                <a:solidFill>
-                  <a:srgbClr val="111111"/>
-                </a:solidFill>
-                <a:latin typeface="+mj-lt"/>
-              </a:rPr>
-              <a:t>with the most right and creative way to stay on the track of your health</a:t>
-            </a:r>
-            <a:r>
-              <a:rPr lang="en-US" dirty="0" smtClean="0">
-                <a:solidFill>
-                  <a:srgbClr val="111111"/>
-                </a:solidFill>
-                <a:latin typeface="+mj-lt"/>
-              </a:rPr>
-              <a:t>.</a:t>
-            </a:r>
-          </a:p>
-          <a:p>
-            <a:pPr marL="0" indent="0" algn="ctr">
-              <a:buNone/>
-            </a:pPr>
-            <a:endParaRPr lang="en-US" dirty="0">
-              <a:solidFill>
-                <a:srgbClr val="111111"/>
-              </a:solidFill>
-              <a:latin typeface="+mj-lt"/>
-            </a:endParaRPr>
-          </a:p>
-          <a:p>
-            <a:pPr marL="0" indent="0" algn="ctr">
-              <a:buNone/>
-            </a:pPr>
-            <a:r>
-              <a:rPr lang="en-US" dirty="0">
-                <a:solidFill>
-                  <a:srgbClr val="111111"/>
-                </a:solidFill>
-                <a:latin typeface="+mj-lt"/>
-              </a:rPr>
-              <a:t>It’s the </a:t>
-            </a:r>
-            <a:r>
-              <a:rPr lang="en-US" dirty="0">
-                <a:solidFill>
-                  <a:srgbClr val="1DABB8"/>
-                </a:solidFill>
-                <a:latin typeface="+mj-lt"/>
-              </a:rPr>
-              <a:t>responsible</a:t>
-            </a:r>
-            <a:r>
-              <a:rPr lang="en-US" dirty="0">
-                <a:solidFill>
-                  <a:srgbClr val="111111"/>
-                </a:solidFill>
-                <a:latin typeface="+mj-lt"/>
-              </a:rPr>
-              <a:t> assistant to get you up-to-date, while you have many other things to do and remember during the day.</a:t>
-            </a:r>
-          </a:p>
         </p:txBody>
       </p:sp>
     </p:spTree>
     <p:extLst>
       <p:ext uri="{BB962C8B-B14F-4D97-AF65-F5344CB8AC3E}">
-        <p14:creationId xmlns:p14="http://schemas.microsoft.com/office/powerpoint/2010/main" val="3767398777"/>
+        <p14:creationId xmlns:p14="http://schemas.microsoft.com/office/powerpoint/2010/main" val="4106756534"/>
       </p:ext>
     </p:extLst>
   </p:cSld>
@@ -9030,6 +8946,712 @@
 <file path=ppt/slides/slide20.xml><?xml version="1.0" encoding="utf-8"?>
 <p:sld xmlns:a="http://schemas.openxmlformats.org/drawingml/2006/main" xmlns:r="http://schemas.openxmlformats.org/officeDocument/2006/relationships" xmlns:p="http://schemas.openxmlformats.org/presentationml/2006/main">
   <p:cSld>
+    <p:bg>
+      <p:bgPr>
+        <a:solidFill>
+          <a:srgbClr val="E3F5BE"/>
+        </a:solidFill>
+        <a:effectLst/>
+      </p:bgPr>
+    </p:bg>
+    <p:spTree>
+      <p:nvGrpSpPr>
+        <p:cNvPr id="1" name=""/>
+        <p:cNvGrpSpPr/>
+        <p:nvPr/>
+      </p:nvGrpSpPr>
+      <p:grpSpPr>
+        <a:xfrm>
+          <a:off x="0" y="0"/>
+          <a:ext cx="0" cy="0"/>
+          <a:chOff x="0" y="0"/>
+          <a:chExt cx="0" cy="0"/>
+        </a:xfrm>
+      </p:grpSpPr>
+      <p:sp>
+        <p:nvSpPr>
+          <p:cNvPr id="5" name="Content Placeholder 2"/>
+          <p:cNvSpPr>
+            <a:spLocks noGrp="1"/>
+          </p:cNvSpPr>
+          <p:nvPr>
+            <p:ph idx="1"/>
+          </p:nvPr>
+        </p:nvSpPr>
+        <p:spPr>
+          <a:xfrm>
+            <a:off x="623392" y="1196752"/>
+            <a:ext cx="10972800" cy="4525963"/>
+          </a:xfrm>
+        </p:spPr>
+        <p:txBody>
+          <a:bodyPr anchor="ctr">
+            <a:normAutofit/>
+          </a:bodyPr>
+          <a:lstStyle/>
+          <a:p>
+            <a:pPr marL="0" indent="0" algn="ctr">
+              <a:buNone/>
+            </a:pPr>
+            <a:r>
+              <a:rPr lang="en-US" dirty="0">
+                <a:solidFill>
+                  <a:srgbClr val="111111"/>
+                </a:solidFill>
+                <a:latin typeface="+mj-lt"/>
+              </a:rPr>
+              <a:t>Behavioral </a:t>
+            </a:r>
+            <a:r>
+              <a:rPr lang="en-US" dirty="0" smtClean="0">
+                <a:solidFill>
+                  <a:srgbClr val="111111"/>
+                </a:solidFill>
+                <a:latin typeface="+mj-lt"/>
+              </a:rPr>
+              <a:t>Psychologists </a:t>
+            </a:r>
+            <a:r>
+              <a:rPr lang="en-US" dirty="0">
+                <a:solidFill>
+                  <a:srgbClr val="111111"/>
+                </a:solidFill>
+                <a:latin typeface="+mj-lt"/>
+              </a:rPr>
+              <a:t>claim that </a:t>
+            </a:r>
+            <a:r>
+              <a:rPr lang="en-US" b="1" dirty="0">
+                <a:solidFill>
+                  <a:srgbClr val="111111"/>
+                </a:solidFill>
+                <a:latin typeface="+mj-lt"/>
+              </a:rPr>
+              <a:t>rewarding</a:t>
+            </a:r>
+            <a:r>
+              <a:rPr lang="en-US" dirty="0">
+                <a:solidFill>
+                  <a:srgbClr val="111111"/>
+                </a:solidFill>
+                <a:latin typeface="+mj-lt"/>
+              </a:rPr>
+              <a:t> people, subconsciously pushes them towards </a:t>
+            </a:r>
+            <a:r>
+              <a:rPr lang="en-US" b="1" dirty="0">
+                <a:solidFill>
+                  <a:srgbClr val="111111"/>
+                </a:solidFill>
+                <a:latin typeface="+mj-lt"/>
+              </a:rPr>
+              <a:t>repeating the task </a:t>
+            </a:r>
+            <a:r>
+              <a:rPr lang="en-US" dirty="0">
+                <a:solidFill>
+                  <a:srgbClr val="111111"/>
+                </a:solidFill>
+                <a:latin typeface="+mj-lt"/>
+              </a:rPr>
+              <a:t>that has originally rewarded them.</a:t>
+            </a:r>
+          </a:p>
+        </p:txBody>
+      </p:sp>
+    </p:spTree>
+    <p:extLst>
+      <p:ext uri="{BB962C8B-B14F-4D97-AF65-F5344CB8AC3E}">
+        <p14:creationId xmlns:p14="http://schemas.microsoft.com/office/powerpoint/2010/main" val="2787221336"/>
+      </p:ext>
+    </p:extLst>
+  </p:cSld>
+  <p:clrMapOvr>
+    <a:masterClrMapping/>
+  </p:clrMapOvr>
+  <p:transition spd="slow">
+    <p:push dir="u"/>
+  </p:transition>
+  <p:timing>
+    <p:tnLst>
+      <p:par>
+        <p:cTn id="1" dur="indefinite" restart="never" nodeType="tmRoot"/>
+      </p:par>
+    </p:tnLst>
+  </p:timing>
+</p:sld>
+</file>
+
+<file path=ppt/slides/slide21.xml><?xml version="1.0" encoding="utf-8"?>
+<p:sld xmlns:a="http://schemas.openxmlformats.org/drawingml/2006/main" xmlns:r="http://schemas.openxmlformats.org/officeDocument/2006/relationships" xmlns:p="http://schemas.openxmlformats.org/presentationml/2006/main">
+  <p:cSld>
+    <p:bg>
+      <p:bgPr>
+        <a:solidFill>
+          <a:srgbClr val="E3F5BE"/>
+        </a:solidFill>
+        <a:effectLst/>
+      </p:bgPr>
+    </p:bg>
+    <p:spTree>
+      <p:nvGrpSpPr>
+        <p:cNvPr id="1" name=""/>
+        <p:cNvGrpSpPr/>
+        <p:nvPr/>
+      </p:nvGrpSpPr>
+      <p:grpSpPr>
+        <a:xfrm>
+          <a:off x="0" y="0"/>
+          <a:ext cx="0" cy="0"/>
+          <a:chOff x="0" y="0"/>
+          <a:chExt cx="0" cy="0"/>
+        </a:xfrm>
+      </p:grpSpPr>
+      <p:pic>
+        <p:nvPicPr>
+          <p:cNvPr id="2" name="Picture 1"/>
+          <p:cNvPicPr>
+            <a:picLocks noChangeAspect="1"/>
+          </p:cNvPicPr>
+          <p:nvPr/>
+        </p:nvPicPr>
+        <p:blipFill>
+          <a:blip r:embed="rId2" cstate="print">
+            <a:extLst>
+              <a:ext uri="{28A0092B-C50C-407E-A947-70E740481C1C}">
+                <a14:useLocalDpi xmlns:a14="http://schemas.microsoft.com/office/drawing/2010/main" val="0"/>
+              </a:ext>
+            </a:extLst>
+          </a:blip>
+          <a:stretch>
+            <a:fillRect/>
+          </a:stretch>
+        </p:blipFill>
+        <p:spPr>
+          <a:xfrm>
+            <a:off x="5303912" y="2564904"/>
+            <a:ext cx="1656184" cy="1656184"/>
+          </a:xfrm>
+          <a:prstGeom prst="rect">
+            <a:avLst/>
+          </a:prstGeom>
+        </p:spPr>
+      </p:pic>
+    </p:spTree>
+    <p:extLst>
+      <p:ext uri="{BB962C8B-B14F-4D97-AF65-F5344CB8AC3E}">
+        <p14:creationId xmlns:p14="http://schemas.microsoft.com/office/powerpoint/2010/main" val="1806199328"/>
+      </p:ext>
+    </p:extLst>
+  </p:cSld>
+  <p:clrMapOvr>
+    <a:masterClrMapping/>
+  </p:clrMapOvr>
+  <p:transition spd="slow">
+    <p:push dir="u"/>
+  </p:transition>
+  <p:timing>
+    <p:tnLst>
+      <p:par>
+        <p:cTn id="1" dur="indefinite" restart="never" nodeType="tmRoot"/>
+      </p:par>
+    </p:tnLst>
+  </p:timing>
+</p:sld>
+</file>
+
+<file path=ppt/slides/slide22.xml><?xml version="1.0" encoding="utf-8"?>
+<p:sld xmlns:a="http://schemas.openxmlformats.org/drawingml/2006/main" xmlns:r="http://schemas.openxmlformats.org/officeDocument/2006/relationships" xmlns:p="http://schemas.openxmlformats.org/presentationml/2006/main">
+  <p:cSld>
+    <p:spTree>
+      <p:nvGrpSpPr>
+        <p:cNvPr id="1" name=""/>
+        <p:cNvGrpSpPr/>
+        <p:nvPr/>
+      </p:nvGrpSpPr>
+      <p:grpSpPr>
+        <a:xfrm>
+          <a:off x="0" y="0"/>
+          <a:ext cx="0" cy="0"/>
+          <a:chOff x="0" y="0"/>
+          <a:chExt cx="0" cy="0"/>
+        </a:xfrm>
+      </p:grpSpPr>
+      <p:sp>
+        <p:nvSpPr>
+          <p:cNvPr id="6" name="Rectangle 5"/>
+          <p:cNvSpPr/>
+          <p:nvPr/>
+        </p:nvSpPr>
+        <p:spPr>
+          <a:xfrm>
+            <a:off x="-5193" y="5400600"/>
+            <a:ext cx="12192000" cy="1484784"/>
+          </a:xfrm>
+          <a:prstGeom prst="rect">
+            <a:avLst/>
+          </a:prstGeom>
+          <a:pattFill prst="pct5">
+            <a:fgClr>
+              <a:srgbClr val="BADEB2"/>
+            </a:fgClr>
+            <a:bgClr>
+              <a:srgbClr val="E3F5BE"/>
+            </a:bgClr>
+          </a:pattFill>
+          <a:ln>
+            <a:noFill/>
+          </a:ln>
+          <a:effectLst>
+            <a:outerShdw blurRad="50800" dist="38100" dir="5400000" algn="t" rotWithShape="0">
+              <a:prstClr val="black">
+                <a:alpha val="40000"/>
+              </a:prstClr>
+            </a:outerShdw>
+          </a:effectLst>
+        </p:spPr>
+        <p:style>
+          <a:lnRef idx="2">
+            <a:schemeClr val="accent1">
+              <a:shade val="50000"/>
+            </a:schemeClr>
+          </a:lnRef>
+          <a:fillRef idx="1">
+            <a:schemeClr val="accent1"/>
+          </a:fillRef>
+          <a:effectRef idx="0">
+            <a:schemeClr val="accent1"/>
+          </a:effectRef>
+          <a:fontRef idx="minor">
+            <a:schemeClr val="lt1"/>
+          </a:fontRef>
+        </p:style>
+        <p:txBody>
+          <a:bodyPr rtlCol="0" anchor="ctr"/>
+          <a:lstStyle/>
+          <a:p>
+            <a:pPr algn="ctr"/>
+            <a:endParaRPr lang="en-US"/>
+          </a:p>
+        </p:txBody>
+      </p:sp>
+      <p:sp>
+        <p:nvSpPr>
+          <p:cNvPr id="2" name="Title 1"/>
+          <p:cNvSpPr>
+            <a:spLocks noGrp="1"/>
+          </p:cNvSpPr>
+          <p:nvPr>
+            <p:ph type="title"/>
+          </p:nvPr>
+        </p:nvSpPr>
+        <p:spPr>
+          <a:xfrm>
+            <a:off x="1199456" y="195998"/>
+            <a:ext cx="7436209" cy="1066130"/>
+          </a:xfrm>
+        </p:spPr>
+        <p:txBody>
+          <a:bodyPr>
+            <a:normAutofit/>
+          </a:bodyPr>
+          <a:lstStyle/>
+          <a:p>
+            <a:pPr algn="l"/>
+            <a:r>
+              <a:rPr lang="en-US" dirty="0" smtClean="0"/>
+              <a:t>Habits</a:t>
+            </a:r>
+            <a:endParaRPr lang="en-GB" dirty="0">
+              <a:solidFill>
+                <a:srgbClr val="111111"/>
+              </a:solidFill>
+            </a:endParaRPr>
+          </a:p>
+        </p:txBody>
+      </p:sp>
+      <p:sp>
+        <p:nvSpPr>
+          <p:cNvPr id="3" name="Content Placeholder 2"/>
+          <p:cNvSpPr>
+            <a:spLocks noGrp="1"/>
+          </p:cNvSpPr>
+          <p:nvPr>
+            <p:ph idx="1"/>
+          </p:nvPr>
+        </p:nvSpPr>
+        <p:spPr>
+          <a:xfrm>
+            <a:off x="609600" y="2204864"/>
+            <a:ext cx="10972800" cy="3921300"/>
+          </a:xfrm>
+        </p:spPr>
+        <p:txBody>
+          <a:bodyPr/>
+          <a:lstStyle/>
+          <a:p>
+            <a:pPr>
+              <a:buClr>
+                <a:srgbClr val="333333"/>
+              </a:buClr>
+            </a:pPr>
+            <a:r>
+              <a:rPr lang="en-US" dirty="0" smtClean="0">
+                <a:solidFill>
+                  <a:srgbClr val="111111"/>
+                </a:solidFill>
+                <a:latin typeface="+mj-lt"/>
+              </a:rPr>
+              <a:t>We took advantage of the 66 day rule and made something new.</a:t>
+            </a:r>
+          </a:p>
+          <a:p>
+            <a:pPr>
+              <a:buClr>
+                <a:srgbClr val="333333"/>
+              </a:buClr>
+            </a:pPr>
+            <a:r>
+              <a:rPr lang="en-US" dirty="0" smtClean="0">
+                <a:solidFill>
+                  <a:srgbClr val="111111"/>
+                </a:solidFill>
+                <a:latin typeface="+mj-lt"/>
+              </a:rPr>
+              <a:t>With the habit feature you can choose to break a bad habit or gain a good one.</a:t>
+            </a:r>
+          </a:p>
+          <a:p>
+            <a:pPr>
+              <a:buClr>
+                <a:srgbClr val="333333"/>
+              </a:buClr>
+            </a:pPr>
+            <a:r>
+              <a:rPr lang="en-US" dirty="0" smtClean="0">
+                <a:solidFill>
+                  <a:srgbClr val="111111"/>
+                </a:solidFill>
+                <a:latin typeface="+mj-lt"/>
+              </a:rPr>
+              <a:t>It keeps you alert and motivated.</a:t>
+            </a:r>
+            <a:endParaRPr lang="en-GB" dirty="0">
+              <a:solidFill>
+                <a:srgbClr val="111111"/>
+              </a:solidFill>
+              <a:latin typeface="+mj-lt"/>
+            </a:endParaRPr>
+          </a:p>
+        </p:txBody>
+      </p:sp>
+      <p:pic>
+        <p:nvPicPr>
+          <p:cNvPr id="4" name="Picture 3"/>
+          <p:cNvPicPr>
+            <a:picLocks noChangeAspect="1"/>
+          </p:cNvPicPr>
+          <p:nvPr/>
+        </p:nvPicPr>
+        <p:blipFill>
+          <a:blip r:embed="rId2" cstate="print">
+            <a:extLst>
+              <a:ext uri="{28A0092B-C50C-407E-A947-70E740481C1C}">
+                <a14:useLocalDpi xmlns:a14="http://schemas.microsoft.com/office/drawing/2010/main" val="0"/>
+              </a:ext>
+            </a:extLst>
+          </a:blip>
+          <a:stretch>
+            <a:fillRect/>
+          </a:stretch>
+        </p:blipFill>
+        <p:spPr>
+          <a:xfrm>
+            <a:off x="275211" y="266940"/>
+            <a:ext cx="924245" cy="924245"/>
+          </a:xfrm>
+          <a:prstGeom prst="rect">
+            <a:avLst/>
+          </a:prstGeom>
+        </p:spPr>
+      </p:pic>
+    </p:spTree>
+    <p:extLst>
+      <p:ext uri="{BB962C8B-B14F-4D97-AF65-F5344CB8AC3E}">
+        <p14:creationId xmlns:p14="http://schemas.microsoft.com/office/powerpoint/2010/main" val="2086653344"/>
+      </p:ext>
+    </p:extLst>
+  </p:cSld>
+  <p:clrMapOvr>
+    <a:masterClrMapping/>
+  </p:clrMapOvr>
+  <p:transition spd="slow">
+    <p:push dir="d"/>
+  </p:transition>
+  <p:timing>
+    <p:tnLst>
+      <p:par>
+        <p:cTn id="1" dur="indefinite" restart="never" nodeType="tmRoot"/>
+      </p:par>
+    </p:tnLst>
+  </p:timing>
+</p:sld>
+</file>
+
+<file path=ppt/slides/slide23.xml><?xml version="1.0" encoding="utf-8"?>
+<p:sld xmlns:a="http://schemas.openxmlformats.org/drawingml/2006/main" xmlns:r="http://schemas.openxmlformats.org/officeDocument/2006/relationships" xmlns:p="http://schemas.openxmlformats.org/presentationml/2006/main">
+  <p:cSld>
+    <p:bg>
+      <p:bgPr>
+        <a:pattFill prst="pct5">
+          <a:fgClr>
+            <a:srgbClr val="97CE68"/>
+          </a:fgClr>
+          <a:bgClr>
+            <a:srgbClr val="E3F5BE"/>
+          </a:bgClr>
+        </a:pattFill>
+        <a:effectLst/>
+      </p:bgPr>
+    </p:bg>
+    <p:spTree>
+      <p:nvGrpSpPr>
+        <p:cNvPr id="1" name=""/>
+        <p:cNvGrpSpPr/>
+        <p:nvPr/>
+      </p:nvGrpSpPr>
+      <p:grpSpPr>
+        <a:xfrm>
+          <a:off x="0" y="0"/>
+          <a:ext cx="0" cy="0"/>
+          <a:chOff x="0" y="0"/>
+          <a:chExt cx="0" cy="0"/>
+        </a:xfrm>
+      </p:grpSpPr>
+      <p:sp>
+        <p:nvSpPr>
+          <p:cNvPr id="2" name="Title 1"/>
+          <p:cNvSpPr>
+            <a:spLocks noGrp="1"/>
+          </p:cNvSpPr>
+          <p:nvPr>
+            <p:ph type="title"/>
+          </p:nvPr>
+        </p:nvSpPr>
+        <p:spPr>
+          <a:noFill/>
+        </p:spPr>
+        <p:txBody>
+          <a:bodyPr>
+            <a:normAutofit/>
+          </a:bodyPr>
+          <a:lstStyle/>
+          <a:p>
+            <a:r>
+              <a:rPr lang="en-US" dirty="0"/>
+              <a:t>Not convinced yet?</a:t>
+            </a:r>
+          </a:p>
+        </p:txBody>
+      </p:sp>
+      <p:sp>
+        <p:nvSpPr>
+          <p:cNvPr id="3" name="Content Placeholder 2"/>
+          <p:cNvSpPr>
+            <a:spLocks noGrp="1"/>
+          </p:cNvSpPr>
+          <p:nvPr>
+            <p:ph idx="1"/>
+          </p:nvPr>
+        </p:nvSpPr>
+        <p:spPr/>
+        <p:txBody>
+          <a:bodyPr>
+            <a:normAutofit lnSpcReduction="10000"/>
+          </a:bodyPr>
+          <a:lstStyle/>
+          <a:p>
+            <a:pPr marL="0" indent="0" algn="ctr">
+              <a:buNone/>
+            </a:pPr>
+            <a:r>
+              <a:rPr lang="en-US" b="1" dirty="0" err="1">
+                <a:solidFill>
+                  <a:srgbClr val="97CE68"/>
+                </a:solidFill>
+                <a:latin typeface="+mj-lt"/>
+              </a:rPr>
+              <a:t>Vivere</a:t>
+            </a:r>
+            <a:r>
+              <a:rPr lang="en-US" dirty="0">
+                <a:solidFill>
+                  <a:srgbClr val="111111"/>
+                </a:solidFill>
+                <a:latin typeface="+mj-lt"/>
+              </a:rPr>
+              <a:t> knows what </a:t>
+            </a:r>
+            <a:r>
+              <a:rPr lang="en-US" dirty="0">
+                <a:solidFill>
+                  <a:srgbClr val="1DABB8"/>
+                </a:solidFill>
+                <a:latin typeface="+mj-lt"/>
+              </a:rPr>
+              <a:t>experts should advice </a:t>
+            </a:r>
+            <a:r>
+              <a:rPr lang="en-US" dirty="0" smtClean="0">
+                <a:solidFill>
+                  <a:srgbClr val="111111"/>
+                </a:solidFill>
+                <a:latin typeface="+mj-lt"/>
+              </a:rPr>
+              <a:t>you, </a:t>
+            </a:r>
+            <a:r>
+              <a:rPr lang="en-US" dirty="0">
+                <a:solidFill>
+                  <a:srgbClr val="111111"/>
+                </a:solidFill>
+                <a:latin typeface="+mj-lt"/>
+              </a:rPr>
+              <a:t>right on time</a:t>
+            </a:r>
+            <a:r>
+              <a:rPr lang="en-US" dirty="0" smtClean="0">
+                <a:solidFill>
+                  <a:srgbClr val="111111"/>
+                </a:solidFill>
+                <a:latin typeface="+mj-lt"/>
+              </a:rPr>
+              <a:t>.</a:t>
+            </a:r>
+          </a:p>
+          <a:p>
+            <a:pPr marL="0" indent="0" algn="ctr">
+              <a:buNone/>
+            </a:pPr>
+            <a:endParaRPr lang="en-US" dirty="0">
+              <a:solidFill>
+                <a:srgbClr val="111111"/>
+              </a:solidFill>
+              <a:latin typeface="+mj-lt"/>
+            </a:endParaRPr>
+          </a:p>
+          <a:p>
+            <a:pPr marL="0" indent="0" algn="ctr">
+              <a:buNone/>
+            </a:pPr>
+            <a:r>
+              <a:rPr lang="en-US" dirty="0">
+                <a:solidFill>
+                  <a:srgbClr val="111111"/>
+                </a:solidFill>
+                <a:latin typeface="+mj-lt"/>
+              </a:rPr>
+              <a:t>It will </a:t>
+            </a:r>
+            <a:r>
+              <a:rPr lang="en-US" dirty="0">
+                <a:solidFill>
+                  <a:srgbClr val="1DABB8"/>
+                </a:solidFill>
+                <a:latin typeface="+mj-lt"/>
+              </a:rPr>
+              <a:t>motivate you </a:t>
+            </a:r>
+            <a:r>
+              <a:rPr lang="en-US" dirty="0">
+                <a:solidFill>
+                  <a:srgbClr val="111111"/>
+                </a:solidFill>
+                <a:latin typeface="+mj-lt"/>
+              </a:rPr>
+              <a:t>with the most right and creative way to stay on the track of your health</a:t>
+            </a:r>
+            <a:r>
+              <a:rPr lang="en-US" dirty="0" smtClean="0">
+                <a:solidFill>
+                  <a:srgbClr val="111111"/>
+                </a:solidFill>
+                <a:latin typeface="+mj-lt"/>
+              </a:rPr>
+              <a:t>.</a:t>
+            </a:r>
+          </a:p>
+          <a:p>
+            <a:pPr marL="0" indent="0" algn="ctr">
+              <a:buNone/>
+            </a:pPr>
+            <a:endParaRPr lang="en-US" dirty="0">
+              <a:solidFill>
+                <a:srgbClr val="111111"/>
+              </a:solidFill>
+              <a:latin typeface="+mj-lt"/>
+            </a:endParaRPr>
+          </a:p>
+          <a:p>
+            <a:pPr marL="0" indent="0" algn="ctr">
+              <a:buNone/>
+            </a:pPr>
+            <a:r>
+              <a:rPr lang="en-US" dirty="0">
+                <a:solidFill>
+                  <a:srgbClr val="111111"/>
+                </a:solidFill>
+                <a:latin typeface="+mj-lt"/>
+              </a:rPr>
+              <a:t>It’s the </a:t>
+            </a:r>
+            <a:r>
+              <a:rPr lang="en-US" dirty="0">
+                <a:solidFill>
+                  <a:srgbClr val="1DABB8"/>
+                </a:solidFill>
+                <a:latin typeface="+mj-lt"/>
+              </a:rPr>
+              <a:t>responsible</a:t>
+            </a:r>
+            <a:r>
+              <a:rPr lang="en-US" dirty="0">
+                <a:solidFill>
+                  <a:srgbClr val="111111"/>
+                </a:solidFill>
+                <a:latin typeface="+mj-lt"/>
+              </a:rPr>
+              <a:t> assistant to get you up-to-date, while you have many other things to do and remember during the day.</a:t>
+            </a:r>
+          </a:p>
+        </p:txBody>
+      </p:sp>
+    </p:spTree>
+    <p:extLst>
+      <p:ext uri="{BB962C8B-B14F-4D97-AF65-F5344CB8AC3E}">
+        <p14:creationId xmlns:p14="http://schemas.microsoft.com/office/powerpoint/2010/main" val="3767398777"/>
+      </p:ext>
+    </p:extLst>
+  </p:cSld>
+  <p:clrMapOvr>
+    <a:masterClrMapping/>
+  </p:clrMapOvr>
+  <p:transition spd="slow">
+    <p:push dir="u"/>
+  </p:transition>
+  <p:timing>
+    <p:tnLst>
+      <p:par>
+        <p:cTn id="1" dur="indefinite" restart="never" nodeType="tmRoot"/>
+      </p:par>
+    </p:tnLst>
+  </p:timing>
+</p:sld>
+</file>
+
+<file path=ppt/slides/slide24.xml><?xml version="1.0" encoding="utf-8"?>
+<p:sld xmlns:a="http://schemas.openxmlformats.org/drawingml/2006/main" xmlns:r="http://schemas.openxmlformats.org/officeDocument/2006/relationships" xmlns:p="http://schemas.openxmlformats.org/presentationml/2006/main">
+  <p:cSld>
     <p:spTree>
       <p:nvGrpSpPr>
         <p:cNvPr id="1" name=""/>
@@ -9188,7 +9810,7 @@
 </p:sld>
 </file>
 
-<file path=ppt/slides/slide21.xml><?xml version="1.0" encoding="utf-8"?>
+<file path=ppt/slides/slide25.xml><?xml version="1.0" encoding="utf-8"?>
 <p:sld xmlns:a="http://schemas.openxmlformats.org/drawingml/2006/main" xmlns:r="http://schemas.openxmlformats.org/officeDocument/2006/relationships" xmlns:p="http://schemas.openxmlformats.org/presentationml/2006/main">
   <p:cSld>
     <p:spTree>
